--- a/БФ/2.15 Математическая модель нервного импульса.pptx
+++ b/БФ/2.15 Математическая модель нервного импульса.pptx
@@ -9,7 +9,6 @@
     <p:sldId id="257" r:id="rId3"/>
     <p:sldId id="258" r:id="rId4"/>
     <p:sldId id="259" r:id="rId5"/>
-    <p:sldId id="260" r:id="rId6"/>
   </p:sldIdLst>
   <p:sldSz cx="12192000" cy="6858000"/>
   <p:notesSz cx="6858000" cy="9144000"/>
@@ -108,6 +107,11 @@
       </a:defRPr>
     </a:lvl9pPr>
   </p:defaultTextStyle>
+  <p:extLst>
+    <p:ext uri="{EFAFB233-063F-42B5-8137-9DF3F51BA10A}">
+      <p15:sldGuideLst xmlns:p15="http://schemas.microsoft.com/office/powerpoint/2012/main"/>
+    </p:ext>
+  </p:extLst>
 </p:presentation>
 </file>
 
@@ -260,7 +264,7 @@
           <a:p>
             <a:fld id="{825F02D5-E8AB-4E1F-BBBB-FE64A83E11BE}" type="datetimeFigureOut">
               <a:rPr lang="en-US" smtClean="0"/>
-              <a:t>5/23/2024</a:t>
+              <a:t>5/25/2024</a:t>
             </a:fld>
             <a:endParaRPr lang="en-US"/>
           </a:p>
@@ -460,7 +464,7 @@
           <a:p>
             <a:fld id="{825F02D5-E8AB-4E1F-BBBB-FE64A83E11BE}" type="datetimeFigureOut">
               <a:rPr lang="en-US" smtClean="0"/>
-              <a:t>5/23/2024</a:t>
+              <a:t>5/25/2024</a:t>
             </a:fld>
             <a:endParaRPr lang="en-US"/>
           </a:p>
@@ -670,7 +674,7 @@
           <a:p>
             <a:fld id="{825F02D5-E8AB-4E1F-BBBB-FE64A83E11BE}" type="datetimeFigureOut">
               <a:rPr lang="en-US" smtClean="0"/>
-              <a:t>5/23/2024</a:t>
+              <a:t>5/25/2024</a:t>
             </a:fld>
             <a:endParaRPr lang="en-US"/>
           </a:p>
@@ -870,7 +874,7 @@
           <a:p>
             <a:fld id="{825F02D5-E8AB-4E1F-BBBB-FE64A83E11BE}" type="datetimeFigureOut">
               <a:rPr lang="en-US" smtClean="0"/>
-              <a:t>5/23/2024</a:t>
+              <a:t>5/25/2024</a:t>
             </a:fld>
             <a:endParaRPr lang="en-US"/>
           </a:p>
@@ -1146,7 +1150,7 @@
           <a:p>
             <a:fld id="{825F02D5-E8AB-4E1F-BBBB-FE64A83E11BE}" type="datetimeFigureOut">
               <a:rPr lang="en-US" smtClean="0"/>
-              <a:t>5/23/2024</a:t>
+              <a:t>5/25/2024</a:t>
             </a:fld>
             <a:endParaRPr lang="en-US"/>
           </a:p>
@@ -1414,7 +1418,7 @@
           <a:p>
             <a:fld id="{825F02D5-E8AB-4E1F-BBBB-FE64A83E11BE}" type="datetimeFigureOut">
               <a:rPr lang="en-US" smtClean="0"/>
-              <a:t>5/23/2024</a:t>
+              <a:t>5/25/2024</a:t>
             </a:fld>
             <a:endParaRPr lang="en-US"/>
           </a:p>
@@ -1829,7 +1833,7 @@
           <a:p>
             <a:fld id="{825F02D5-E8AB-4E1F-BBBB-FE64A83E11BE}" type="datetimeFigureOut">
               <a:rPr lang="en-US" smtClean="0"/>
-              <a:t>5/23/2024</a:t>
+              <a:t>5/25/2024</a:t>
             </a:fld>
             <a:endParaRPr lang="en-US"/>
           </a:p>
@@ -1971,7 +1975,7 @@
           <a:p>
             <a:fld id="{825F02D5-E8AB-4E1F-BBBB-FE64A83E11BE}" type="datetimeFigureOut">
               <a:rPr lang="en-US" smtClean="0"/>
-              <a:t>5/23/2024</a:t>
+              <a:t>5/25/2024</a:t>
             </a:fld>
             <a:endParaRPr lang="en-US"/>
           </a:p>
@@ -2084,7 +2088,7 @@
           <a:p>
             <a:fld id="{825F02D5-E8AB-4E1F-BBBB-FE64A83E11BE}" type="datetimeFigureOut">
               <a:rPr lang="en-US" smtClean="0"/>
-              <a:t>5/23/2024</a:t>
+              <a:t>5/25/2024</a:t>
             </a:fld>
             <a:endParaRPr lang="en-US"/>
           </a:p>
@@ -2397,7 +2401,7 @@
           <a:p>
             <a:fld id="{825F02D5-E8AB-4E1F-BBBB-FE64A83E11BE}" type="datetimeFigureOut">
               <a:rPr lang="en-US" smtClean="0"/>
-              <a:t>5/23/2024</a:t>
+              <a:t>5/25/2024</a:t>
             </a:fld>
             <a:endParaRPr lang="en-US"/>
           </a:p>
@@ -2686,7 +2690,7 @@
           <a:p>
             <a:fld id="{825F02D5-E8AB-4E1F-BBBB-FE64A83E11BE}" type="datetimeFigureOut">
               <a:rPr lang="en-US" smtClean="0"/>
-              <a:t>5/23/2024</a:t>
+              <a:t>5/25/2024</a:t>
             </a:fld>
             <a:endParaRPr lang="en-US"/>
           </a:p>
@@ -2929,7 +2933,7 @@
           <a:p>
             <a:fld id="{825F02D5-E8AB-4E1F-BBBB-FE64A83E11BE}" type="datetimeFigureOut">
               <a:rPr lang="en-US" smtClean="0"/>
-              <a:t>5/23/2024</a:t>
+              <a:t>5/25/2024</a:t>
             </a:fld>
             <a:endParaRPr lang="en-US"/>
           </a:p>
@@ -3371,7 +3375,7 @@
               <a:rPr lang="ru-RU" dirty="0">
                 <a:latin typeface="EoSD" pitchFamily="2" charset="0"/>
               </a:rPr>
-              <a:t>Электрохимический градиент</a:t>
+              <a:t>Математическая модель</a:t>
             </a:r>
             <a:endParaRPr lang="en-US" dirty="0">
               <a:latin typeface="EoSD" pitchFamily="2" charset="0"/>
@@ -3404,7 +3408,7 @@
               <a:rPr lang="ru-RU" dirty="0">
                 <a:latin typeface="EoSD" pitchFamily="2" charset="0"/>
               </a:rPr>
-              <a:t>Как движущая сила вещества</a:t>
+              <a:t>Нервного импульса</a:t>
             </a:r>
             <a:endParaRPr lang="en-US" dirty="0">
               <a:latin typeface="EoSD" pitchFamily="2" charset="0"/>
@@ -3414,10 +3418,10 @@
       </p:sp>
       <p:pic>
         <p:nvPicPr>
-          <p:cNvPr id="1026" name="Picture 2" descr="Picture background">
-            <a:extLst>
-              <a:ext uri="{FF2B5EF4-FFF2-40B4-BE49-F238E27FC236}">
-                <a16:creationId xmlns:a16="http://schemas.microsoft.com/office/drawing/2014/main" id="{7EC3E785-B372-4CF9-B110-575207124D28}"/>
+          <p:cNvPr id="4" name="Picture 2" descr="Picture background">
+            <a:extLst>
+              <a:ext uri="{FF2B5EF4-FFF2-40B4-BE49-F238E27FC236}">
+                <a16:creationId xmlns:a16="http://schemas.microsoft.com/office/drawing/2014/main" id="{49604EAB-04FE-421C-A5E1-0C6F9D01CF4A}"/>
               </a:ext>
             </a:extLst>
           </p:cNvPr>
@@ -3428,16 +3432,14 @@
         </p:nvPicPr>
         <p:blipFill>
           <a:blip r:embed="rId2">
-            <a:extLst>
-              <a:ext uri="{BEBA8EAE-BF5A-486C-A8C5-ECC9F3942E4B}">
-                <a14:imgProps xmlns:a14="http://schemas.microsoft.com/office/drawing/2010/main">
-                  <a14:imgLayer r:embed="rId3">
-                    <a14:imgEffect>
-                      <a14:brightnessContrast bright="40000" contrast="-40000"/>
-                    </a14:imgEffect>
-                  </a14:imgLayer>
-                </a14:imgProps>
-              </a:ext>
+            <a:duotone>
+              <a:schemeClr val="accent5">
+                <a:shade val="45000"/>
+                <a:satMod val="135000"/>
+              </a:schemeClr>
+              <a:prstClr val="white"/>
+            </a:duotone>
+            <a:extLst>
               <a:ext uri="{28A0092B-C50C-407E-A947-70E740481C1C}">
                 <a14:useLocalDpi xmlns:a14="http://schemas.microsoft.com/office/drawing/2010/main" val="0"/>
               </a:ext>
@@ -3450,8 +3452,8 @@
         </p:blipFill>
         <p:spPr bwMode="auto">
           <a:xfrm>
-            <a:off x="8285583" y="3602038"/>
-            <a:ext cx="3579283" cy="2684462"/>
+            <a:off x="8613353" y="3966423"/>
+            <a:ext cx="3457349" cy="2766904"/>
           </a:xfrm>
           <a:prstGeom prst="rect">
             <a:avLst/>
@@ -3519,35 +3521,47 @@
           <a:bodyPr/>
           <a:lstStyle/>
           <a:p>
-            <a:endParaRPr lang="en-US"/>
-          </a:p>
-        </p:txBody>
-      </p:sp>
-      <p:sp>
-        <p:nvSpPr>
-          <p:cNvPr id="3" name="Объект 2">
-            <a:extLst>
-              <a:ext uri="{FF2B5EF4-FFF2-40B4-BE49-F238E27FC236}">
-                <a16:creationId xmlns:a16="http://schemas.microsoft.com/office/drawing/2014/main" id="{066BFF99-FA78-44BA-8C56-32F5448C4101}"/>
-              </a:ext>
-            </a:extLst>
-          </p:cNvPr>
-          <p:cNvSpPr>
-            <a:spLocks noGrp="1"/>
-          </p:cNvSpPr>
+            <a:r>
+              <a:rPr lang="ru-RU" dirty="0">
+                <a:latin typeface="EoSD" pitchFamily="2" charset="0"/>
+              </a:rPr>
+              <a:t>Эквивалентная схема мембраны</a:t>
+            </a:r>
+            <a:endParaRPr lang="en-US" dirty="0">
+              <a:latin typeface="EoSD" pitchFamily="2" charset="0"/>
+            </a:endParaRPr>
+          </a:p>
+        </p:txBody>
+      </p:sp>
+      <p:pic>
+        <p:nvPicPr>
+          <p:cNvPr id="5" name="Объект 4">
+            <a:extLst>
+              <a:ext uri="{FF2B5EF4-FFF2-40B4-BE49-F238E27FC236}">
+                <a16:creationId xmlns:a16="http://schemas.microsoft.com/office/drawing/2014/main" id="{59BD41C4-63E9-4CE4-9835-96D302230700}"/>
+              </a:ext>
+            </a:extLst>
+          </p:cNvPr>
+          <p:cNvPicPr>
+            <a:picLocks noGrp="1" noChangeAspect="1"/>
+          </p:cNvPicPr>
           <p:nvPr>
             <p:ph idx="1"/>
           </p:nvPr>
-        </p:nvSpPr>
-        <p:spPr/>
-        <p:txBody>
-          <a:bodyPr/>
-          <a:lstStyle/>
-          <a:p>
-            <a:endParaRPr lang="en-US"/>
-          </a:p>
-        </p:txBody>
-      </p:sp>
+        </p:nvPicPr>
+        <p:blipFill>
+          <a:blip r:embed="rId2"/>
+          <a:stretch>
+            <a:fillRect/>
+          </a:stretch>
+        </p:blipFill>
+        <p:spPr>
+          <a:xfrm>
+            <a:off x="2033020" y="2015054"/>
+            <a:ext cx="8125959" cy="3972479"/>
+          </a:xfrm>
+        </p:spPr>
+      </p:pic>
     </p:spTree>
     <p:extLst>
       <p:ext uri="{BB962C8B-B14F-4D97-AF65-F5344CB8AC3E}">
@@ -3578,56 +3592,155 @@
           <a:chExt cx="0" cy="0"/>
         </a:xfrm>
       </p:grpSpPr>
-      <p:sp>
-        <p:nvSpPr>
-          <p:cNvPr id="2" name="Заголовок 1">
-            <a:extLst>
-              <a:ext uri="{FF2B5EF4-FFF2-40B4-BE49-F238E27FC236}">
-                <a16:creationId xmlns:a16="http://schemas.microsoft.com/office/drawing/2014/main" id="{A2AF344D-7691-4150-B798-77DFB9D7FF85}"/>
-              </a:ext>
-            </a:extLst>
-          </p:cNvPr>
-          <p:cNvSpPr>
-            <a:spLocks noGrp="1"/>
-          </p:cNvSpPr>
-          <p:nvPr>
-            <p:ph type="title"/>
-          </p:nvPr>
-        </p:nvSpPr>
-        <p:spPr/>
-        <p:txBody>
-          <a:bodyPr/>
-          <a:lstStyle/>
-          <a:p>
-            <a:endParaRPr lang="en-US"/>
-          </a:p>
-        </p:txBody>
-      </p:sp>
-      <p:sp>
-        <p:nvSpPr>
-          <p:cNvPr id="3" name="Объект 2">
-            <a:extLst>
-              <a:ext uri="{FF2B5EF4-FFF2-40B4-BE49-F238E27FC236}">
-                <a16:creationId xmlns:a16="http://schemas.microsoft.com/office/drawing/2014/main" id="{6CCB91F1-B8ED-4A51-BFA9-E5C1D810D2CF}"/>
-              </a:ext>
-            </a:extLst>
-          </p:cNvPr>
-          <p:cNvSpPr>
-            <a:spLocks noGrp="1"/>
-          </p:cNvSpPr>
+      <p:pic>
+        <p:nvPicPr>
+          <p:cNvPr id="5" name="Объект 4">
+            <a:extLst>
+              <a:ext uri="{FF2B5EF4-FFF2-40B4-BE49-F238E27FC236}">
+                <a16:creationId xmlns:a16="http://schemas.microsoft.com/office/drawing/2014/main" id="{23668A0E-72E8-41BC-8E07-5294842B147D}"/>
+              </a:ext>
+            </a:extLst>
+          </p:cNvPr>
+          <p:cNvPicPr>
+            <a:picLocks noGrp="1" noChangeAspect="1"/>
+          </p:cNvPicPr>
           <p:nvPr>
             <p:ph idx="1"/>
           </p:nvPr>
-        </p:nvSpPr>
-        <p:spPr/>
-        <p:txBody>
-          <a:bodyPr/>
-          <a:lstStyle/>
-          <a:p>
-            <a:endParaRPr lang="en-US"/>
-          </a:p>
-        </p:txBody>
-      </p:sp>
+        </p:nvPicPr>
+        <p:blipFill>
+          <a:blip r:embed="rId2"/>
+          <a:stretch>
+            <a:fillRect/>
+          </a:stretch>
+        </p:blipFill>
+        <p:spPr>
+          <a:xfrm>
+            <a:off x="9915224" y="5702142"/>
+            <a:ext cx="1524213" cy="647790"/>
+          </a:xfrm>
+        </p:spPr>
+      </p:pic>
+      <p:pic>
+        <p:nvPicPr>
+          <p:cNvPr id="7" name="Рисунок 6">
+            <a:extLst>
+              <a:ext uri="{FF2B5EF4-FFF2-40B4-BE49-F238E27FC236}">
+                <a16:creationId xmlns:a16="http://schemas.microsoft.com/office/drawing/2014/main" id="{C548EED9-C5B3-462B-8809-0348C8A6FA01}"/>
+              </a:ext>
+            </a:extLst>
+          </p:cNvPr>
+          <p:cNvPicPr>
+            <a:picLocks noChangeAspect="1"/>
+          </p:cNvPicPr>
+          <p:nvPr/>
+        </p:nvPicPr>
+        <p:blipFill>
+          <a:blip r:embed="rId3"/>
+          <a:stretch>
+            <a:fillRect/>
+          </a:stretch>
+        </p:blipFill>
+        <p:spPr>
+          <a:xfrm>
+            <a:off x="9319828" y="4422260"/>
+            <a:ext cx="2362530" cy="1038370"/>
+          </a:xfrm>
+          <a:prstGeom prst="rect">
+            <a:avLst/>
+          </a:prstGeom>
+        </p:spPr>
+      </p:pic>
+      <p:pic>
+        <p:nvPicPr>
+          <p:cNvPr id="9" name="Рисунок 8">
+            <a:extLst>
+              <a:ext uri="{FF2B5EF4-FFF2-40B4-BE49-F238E27FC236}">
+                <a16:creationId xmlns:a16="http://schemas.microsoft.com/office/drawing/2014/main" id="{2845DAAA-5017-4A9E-AE97-E2C1136E9979}"/>
+              </a:ext>
+            </a:extLst>
+          </p:cNvPr>
+          <p:cNvPicPr>
+            <a:picLocks noChangeAspect="1"/>
+          </p:cNvPicPr>
+          <p:nvPr/>
+        </p:nvPicPr>
+        <p:blipFill>
+          <a:blip r:embed="rId4"/>
+          <a:stretch>
+            <a:fillRect/>
+          </a:stretch>
+        </p:blipFill>
+        <p:spPr>
+          <a:xfrm>
+            <a:off x="9319828" y="3186820"/>
+            <a:ext cx="2124371" cy="771633"/>
+          </a:xfrm>
+          <a:prstGeom prst="rect">
+            <a:avLst/>
+          </a:prstGeom>
+        </p:spPr>
+      </p:pic>
+      <p:pic>
+        <p:nvPicPr>
+          <p:cNvPr id="11" name="Рисунок 10">
+            <a:extLst>
+              <a:ext uri="{FF2B5EF4-FFF2-40B4-BE49-F238E27FC236}">
+                <a16:creationId xmlns:a16="http://schemas.microsoft.com/office/drawing/2014/main" id="{B1240573-3742-45DC-9CAB-1C64EB3789F0}"/>
+              </a:ext>
+            </a:extLst>
+          </p:cNvPr>
+          <p:cNvPicPr>
+            <a:picLocks noChangeAspect="1"/>
+          </p:cNvPicPr>
+          <p:nvPr/>
+        </p:nvPicPr>
+        <p:blipFill>
+          <a:blip r:embed="rId5"/>
+          <a:stretch>
+            <a:fillRect/>
+          </a:stretch>
+        </p:blipFill>
+        <p:spPr>
+          <a:xfrm>
+            <a:off x="9562750" y="1813263"/>
+            <a:ext cx="1876687" cy="562053"/>
+          </a:xfrm>
+          <a:prstGeom prst="rect">
+            <a:avLst/>
+          </a:prstGeom>
+        </p:spPr>
+      </p:pic>
+      <p:pic>
+        <p:nvPicPr>
+          <p:cNvPr id="15" name="Рисунок 14">
+            <a:extLst>
+              <a:ext uri="{FF2B5EF4-FFF2-40B4-BE49-F238E27FC236}">
+                <a16:creationId xmlns:a16="http://schemas.microsoft.com/office/drawing/2014/main" id="{54D4BBFB-1F60-41E1-9448-997C830D7DE3}"/>
+              </a:ext>
+            </a:extLst>
+          </p:cNvPr>
+          <p:cNvPicPr>
+            <a:picLocks noChangeAspect="1"/>
+          </p:cNvPicPr>
+          <p:nvPr/>
+        </p:nvPicPr>
+        <p:blipFill>
+          <a:blip r:embed="rId6"/>
+          <a:stretch>
+            <a:fillRect/>
+          </a:stretch>
+        </p:blipFill>
+        <p:spPr>
+          <a:xfrm>
+            <a:off x="407006" y="237679"/>
+            <a:ext cx="8002117" cy="6382641"/>
+          </a:xfrm>
+          <a:prstGeom prst="rect">
+            <a:avLst/>
+          </a:prstGeom>
+        </p:spPr>
+      </p:pic>
     </p:spTree>
     <p:extLst>
       <p:ext uri="{BB962C8B-B14F-4D97-AF65-F5344CB8AC3E}">
@@ -3679,119 +3792,81 @@
           <a:bodyPr/>
           <a:lstStyle/>
           <a:p>
-            <a:endParaRPr lang="en-US"/>
-          </a:p>
-        </p:txBody>
-      </p:sp>
-      <p:sp>
-        <p:nvSpPr>
-          <p:cNvPr id="3" name="Объект 2">
-            <a:extLst>
-              <a:ext uri="{FF2B5EF4-FFF2-40B4-BE49-F238E27FC236}">
-                <a16:creationId xmlns:a16="http://schemas.microsoft.com/office/drawing/2014/main" id="{98684084-D839-47C6-9E84-8E907622AE19}"/>
-              </a:ext>
-            </a:extLst>
-          </p:cNvPr>
-          <p:cNvSpPr>
-            <a:spLocks noGrp="1"/>
-          </p:cNvSpPr>
+            <a:r>
+              <a:rPr lang="ru-RU" dirty="0" err="1">
+                <a:latin typeface="EoSD" pitchFamily="2" charset="0"/>
+              </a:rPr>
+              <a:t>кокококококо</a:t>
+            </a:r>
+            <a:endParaRPr lang="en-US" dirty="0">
+              <a:latin typeface="EoSD" pitchFamily="2" charset="0"/>
+            </a:endParaRPr>
+          </a:p>
+        </p:txBody>
+      </p:sp>
+      <p:pic>
+        <p:nvPicPr>
+          <p:cNvPr id="5" name="Объект 4">
+            <a:extLst>
+              <a:ext uri="{FF2B5EF4-FFF2-40B4-BE49-F238E27FC236}">
+                <a16:creationId xmlns:a16="http://schemas.microsoft.com/office/drawing/2014/main" id="{47A9B621-BAD3-4F74-B1CC-46036C7AFD2B}"/>
+              </a:ext>
+            </a:extLst>
+          </p:cNvPr>
+          <p:cNvPicPr>
+            <a:picLocks noGrp="1" noChangeAspect="1"/>
+          </p:cNvPicPr>
           <p:nvPr>
             <p:ph idx="1"/>
           </p:nvPr>
-        </p:nvSpPr>
-        <p:spPr/>
-        <p:txBody>
-          <a:bodyPr/>
-          <a:lstStyle/>
-          <a:p>
-            <a:endParaRPr lang="en-US"/>
-          </a:p>
-        </p:txBody>
-      </p:sp>
+        </p:nvPicPr>
+        <p:blipFill>
+          <a:blip r:embed="rId2"/>
+          <a:stretch>
+            <a:fillRect/>
+          </a:stretch>
+        </p:blipFill>
+        <p:spPr>
+          <a:xfrm>
+            <a:off x="1004462" y="2381236"/>
+            <a:ext cx="2353003" cy="1495634"/>
+          </a:xfrm>
+        </p:spPr>
+      </p:pic>
+      <p:pic>
+        <p:nvPicPr>
+          <p:cNvPr id="7" name="Рисунок 6">
+            <a:extLst>
+              <a:ext uri="{FF2B5EF4-FFF2-40B4-BE49-F238E27FC236}">
+                <a16:creationId xmlns:a16="http://schemas.microsoft.com/office/drawing/2014/main" id="{4A518571-376B-42F7-9FFD-991F1BD693B9}"/>
+              </a:ext>
+            </a:extLst>
+          </p:cNvPr>
+          <p:cNvPicPr>
+            <a:picLocks noChangeAspect="1"/>
+          </p:cNvPicPr>
+          <p:nvPr/>
+        </p:nvPicPr>
+        <p:blipFill>
+          <a:blip r:embed="rId3"/>
+          <a:stretch>
+            <a:fillRect/>
+          </a:stretch>
+        </p:blipFill>
+        <p:spPr>
+          <a:xfrm>
+            <a:off x="4286652" y="2771683"/>
+            <a:ext cx="5372850" cy="657317"/>
+          </a:xfrm>
+          <a:prstGeom prst="rect">
+            <a:avLst/>
+          </a:prstGeom>
+        </p:spPr>
+      </p:pic>
     </p:spTree>
     <p:extLst>
       <p:ext uri="{BB962C8B-B14F-4D97-AF65-F5344CB8AC3E}">
         <p14:creationId xmlns:p14="http://schemas.microsoft.com/office/powerpoint/2010/main" val="2540429267"/>
-      </p:ext>
-    </p:extLst>
-  </p:cSld>
-  <p:clrMapOvr>
-    <a:masterClrMapping/>
-  </p:clrMapOvr>
-</p:sld>
-</file>
-
-<file path=ppt/slides/slide5.xml><?xml version="1.0" encoding="utf-8"?>
-<p:sld xmlns:a="http://schemas.openxmlformats.org/drawingml/2006/main" xmlns:r="http://schemas.openxmlformats.org/officeDocument/2006/relationships" xmlns:p="http://schemas.openxmlformats.org/presentationml/2006/main">
-  <p:cSld>
-    <p:spTree>
-      <p:nvGrpSpPr>
-        <p:cNvPr id="1" name=""/>
-        <p:cNvGrpSpPr/>
-        <p:nvPr/>
-      </p:nvGrpSpPr>
-      <p:grpSpPr>
-        <a:xfrm>
-          <a:off x="0" y="0"/>
-          <a:ext cx="0" cy="0"/>
-          <a:chOff x="0" y="0"/>
-          <a:chExt cx="0" cy="0"/>
-        </a:xfrm>
-      </p:grpSpPr>
-      <p:sp>
-        <p:nvSpPr>
-          <p:cNvPr id="2" name="Заголовок 1">
-            <a:extLst>
-              <a:ext uri="{FF2B5EF4-FFF2-40B4-BE49-F238E27FC236}">
-                <a16:creationId xmlns:a16="http://schemas.microsoft.com/office/drawing/2014/main" id="{C7296E38-E86E-41E9-B467-9D2C08C6389C}"/>
-              </a:ext>
-            </a:extLst>
-          </p:cNvPr>
-          <p:cNvSpPr>
-            <a:spLocks noGrp="1"/>
-          </p:cNvSpPr>
-          <p:nvPr>
-            <p:ph type="title"/>
-          </p:nvPr>
-        </p:nvSpPr>
-        <p:spPr/>
-        <p:txBody>
-          <a:bodyPr/>
-          <a:lstStyle/>
-          <a:p>
-            <a:endParaRPr lang="en-US"/>
-          </a:p>
-        </p:txBody>
-      </p:sp>
-      <p:sp>
-        <p:nvSpPr>
-          <p:cNvPr id="3" name="Объект 2">
-            <a:extLst>
-              <a:ext uri="{FF2B5EF4-FFF2-40B4-BE49-F238E27FC236}">
-                <a16:creationId xmlns:a16="http://schemas.microsoft.com/office/drawing/2014/main" id="{D6E4C89E-4E9C-4D35-99C2-A374118BEB13}"/>
-              </a:ext>
-            </a:extLst>
-          </p:cNvPr>
-          <p:cNvSpPr>
-            <a:spLocks noGrp="1"/>
-          </p:cNvSpPr>
-          <p:nvPr>
-            <p:ph idx="1"/>
-          </p:nvPr>
-        </p:nvSpPr>
-        <p:spPr/>
-        <p:txBody>
-          <a:bodyPr/>
-          <a:lstStyle/>
-          <a:p>
-            <a:endParaRPr lang="en-US"/>
-          </a:p>
-        </p:txBody>
-      </p:sp>
-    </p:spTree>
-    <p:extLst>
-      <p:ext uri="{BB962C8B-B14F-4D97-AF65-F5344CB8AC3E}">
-        <p14:creationId xmlns:p14="http://schemas.microsoft.com/office/powerpoint/2010/main" val="2212281973"/>
       </p:ext>
     </p:extLst>
   </p:cSld>
